--- a/ppt 16-9/1086.主常看顾.pptx
+++ b/ppt 16-9/1086.主常看顾.pptx
@@ -5,7 +5,7 @@
     <p:sldMasterId id="2147483648" r:id="rId1"/>
   </p:sldMasterIdLst>
   <p:sldIdLst>
-    <p:sldId id="542" r:id="rId2"/>
+    <p:sldId id="544" r:id="rId2"/>
   </p:sldIdLst>
   <p:sldSz cx="12192000" cy="6858000"/>
   <p:notesSz cx="6858000" cy="9144000"/>
@@ -129,7 +129,7 @@
           <p:cNvPr id="2" name="标题 1">
             <a:extLst>
               <a:ext uri="{FF2B5EF4-FFF2-40B4-BE49-F238E27FC236}">
-                <a16:creationId xmlns:a16="http://schemas.microsoft.com/office/drawing/2014/main" id="{8D28B480-B2FE-6B5E-FF49-8F2D2896A887}"/>
+                <a16:creationId xmlns:a16="http://schemas.microsoft.com/office/drawing/2014/main" id="{FB744671-9C16-7C20-8736-28E8ADE499E2}"/>
               </a:ext>
             </a:extLst>
           </p:cNvPr>
@@ -166,7 +166,7 @@
           <p:cNvPr id="3" name="副标题 2">
             <a:extLst>
               <a:ext uri="{FF2B5EF4-FFF2-40B4-BE49-F238E27FC236}">
-                <a16:creationId xmlns:a16="http://schemas.microsoft.com/office/drawing/2014/main" id="{4B117803-56DA-778F-CEEF-5DE0755D9BC9}"/>
+                <a16:creationId xmlns:a16="http://schemas.microsoft.com/office/drawing/2014/main" id="{AD31A9C0-50DA-899F-F6FC-40A207817996}"/>
               </a:ext>
             </a:extLst>
           </p:cNvPr>
@@ -236,7 +236,7 @@
           <p:cNvPr id="4" name="日期占位符 3">
             <a:extLst>
               <a:ext uri="{FF2B5EF4-FFF2-40B4-BE49-F238E27FC236}">
-                <a16:creationId xmlns:a16="http://schemas.microsoft.com/office/drawing/2014/main" id="{B9A6A944-BF92-146A-E477-1938771B6EA9}"/>
+                <a16:creationId xmlns:a16="http://schemas.microsoft.com/office/drawing/2014/main" id="{53BF8202-8004-D279-EE3B-271476086E98}"/>
               </a:ext>
             </a:extLst>
           </p:cNvPr>
@@ -252,7 +252,7 @@
           <a:bodyPr/>
           <a:lstStyle/>
           <a:p>
-            <a:fld id="{2813B3A4-5788-4FBE-8748-24974202EDD3}" type="datetimeFigureOut">
+            <a:fld id="{0D0AFA96-8B93-41E4-B154-813C8A4E45DB}" type="datetimeFigureOut">
               <a:rPr lang="zh-CN" altLang="en-US" smtClean="0"/>
               <a:t>2024/3/10</a:t>
             </a:fld>
@@ -265,7 +265,7 @@
           <p:cNvPr id="5" name="页脚占位符 4">
             <a:extLst>
               <a:ext uri="{FF2B5EF4-FFF2-40B4-BE49-F238E27FC236}">
-                <a16:creationId xmlns:a16="http://schemas.microsoft.com/office/drawing/2014/main" id="{02B3A303-DE49-AC3E-2C42-EB7E7C54A292}"/>
+                <a16:creationId xmlns:a16="http://schemas.microsoft.com/office/drawing/2014/main" id="{91C2C770-8D0F-06D4-177B-24AA1532F899}"/>
               </a:ext>
             </a:extLst>
           </p:cNvPr>
@@ -290,7 +290,7 @@
           <p:cNvPr id="6" name="灯片编号占位符 5">
             <a:extLst>
               <a:ext uri="{FF2B5EF4-FFF2-40B4-BE49-F238E27FC236}">
-                <a16:creationId xmlns:a16="http://schemas.microsoft.com/office/drawing/2014/main" id="{9B739D18-7E65-77F0-0E1D-6D80D53DBBAF}"/>
+                <a16:creationId xmlns:a16="http://schemas.microsoft.com/office/drawing/2014/main" id="{56F5D065-9C4B-0666-75A6-588080F2CE4A}"/>
               </a:ext>
             </a:extLst>
           </p:cNvPr>
@@ -306,7 +306,7 @@
           <a:bodyPr/>
           <a:lstStyle/>
           <a:p>
-            <a:fld id="{B5467F7D-05C7-48F6-909D-35A7EDDE7E7B}" type="slidenum">
+            <a:fld id="{15EE802A-D3F3-4C47-8BE7-F638538DF875}" type="slidenum">
               <a:rPr lang="zh-CN" altLang="en-US" smtClean="0"/>
               <a:t>‹#›</a:t>
             </a:fld>
@@ -317,7 +317,7 @@
     </p:spTree>
     <p:extLst>
       <p:ext uri="{BB962C8B-B14F-4D97-AF65-F5344CB8AC3E}">
-        <p14:creationId xmlns:p14="http://schemas.microsoft.com/office/powerpoint/2010/main" val="1575322918"/>
+        <p14:creationId xmlns:p14="http://schemas.microsoft.com/office/powerpoint/2010/main" val="1986349097"/>
       </p:ext>
     </p:extLst>
   </p:cSld>
@@ -349,7 +349,7 @@
           <p:cNvPr id="2" name="标题 1">
             <a:extLst>
               <a:ext uri="{FF2B5EF4-FFF2-40B4-BE49-F238E27FC236}">
-                <a16:creationId xmlns:a16="http://schemas.microsoft.com/office/drawing/2014/main" id="{6DB82DDA-BDD1-C327-4389-5789FEA46E86}"/>
+                <a16:creationId xmlns:a16="http://schemas.microsoft.com/office/drawing/2014/main" id="{BBBF01A0-299B-1C55-AFC9-FB5C7CD3705B}"/>
               </a:ext>
             </a:extLst>
           </p:cNvPr>
@@ -377,7 +377,7 @@
           <p:cNvPr id="3" name="竖排文字占位符 2">
             <a:extLst>
               <a:ext uri="{FF2B5EF4-FFF2-40B4-BE49-F238E27FC236}">
-                <a16:creationId xmlns:a16="http://schemas.microsoft.com/office/drawing/2014/main" id="{C8E35F69-C38B-75C3-F756-429E0501E067}"/>
+                <a16:creationId xmlns:a16="http://schemas.microsoft.com/office/drawing/2014/main" id="{AC5C0987-4E67-A4EA-827C-B32E829D4F8D}"/>
               </a:ext>
             </a:extLst>
           </p:cNvPr>
@@ -434,7 +434,7 @@
           <p:cNvPr id="4" name="日期占位符 3">
             <a:extLst>
               <a:ext uri="{FF2B5EF4-FFF2-40B4-BE49-F238E27FC236}">
-                <a16:creationId xmlns:a16="http://schemas.microsoft.com/office/drawing/2014/main" id="{94C7BE89-2738-032B-EA6C-36902B0C0D2B}"/>
+                <a16:creationId xmlns:a16="http://schemas.microsoft.com/office/drawing/2014/main" id="{8AB33CE9-8473-0E03-2241-29C821FE51AB}"/>
               </a:ext>
             </a:extLst>
           </p:cNvPr>
@@ -450,7 +450,7 @@
           <a:bodyPr/>
           <a:lstStyle/>
           <a:p>
-            <a:fld id="{2813B3A4-5788-4FBE-8748-24974202EDD3}" type="datetimeFigureOut">
+            <a:fld id="{0D0AFA96-8B93-41E4-B154-813C8A4E45DB}" type="datetimeFigureOut">
               <a:rPr lang="zh-CN" altLang="en-US" smtClean="0"/>
               <a:t>2024/3/10</a:t>
             </a:fld>
@@ -463,7 +463,7 @@
           <p:cNvPr id="5" name="页脚占位符 4">
             <a:extLst>
               <a:ext uri="{FF2B5EF4-FFF2-40B4-BE49-F238E27FC236}">
-                <a16:creationId xmlns:a16="http://schemas.microsoft.com/office/drawing/2014/main" id="{2A34E56E-F854-A3A1-71F9-D9D8E8C60558}"/>
+                <a16:creationId xmlns:a16="http://schemas.microsoft.com/office/drawing/2014/main" id="{4E07B818-56A7-CA20-8075-4706CDA26803}"/>
               </a:ext>
             </a:extLst>
           </p:cNvPr>
@@ -488,7 +488,7 @@
           <p:cNvPr id="6" name="灯片编号占位符 5">
             <a:extLst>
               <a:ext uri="{FF2B5EF4-FFF2-40B4-BE49-F238E27FC236}">
-                <a16:creationId xmlns:a16="http://schemas.microsoft.com/office/drawing/2014/main" id="{9D90F920-BF88-6379-EF47-426FD4123AD4}"/>
+                <a16:creationId xmlns:a16="http://schemas.microsoft.com/office/drawing/2014/main" id="{0995F701-D62B-8273-7E77-B3289E1FE1F2}"/>
               </a:ext>
             </a:extLst>
           </p:cNvPr>
@@ -504,7 +504,7 @@
           <a:bodyPr/>
           <a:lstStyle/>
           <a:p>
-            <a:fld id="{B5467F7D-05C7-48F6-909D-35A7EDDE7E7B}" type="slidenum">
+            <a:fld id="{15EE802A-D3F3-4C47-8BE7-F638538DF875}" type="slidenum">
               <a:rPr lang="zh-CN" altLang="en-US" smtClean="0"/>
               <a:t>‹#›</a:t>
             </a:fld>
@@ -515,7 +515,7 @@
     </p:spTree>
     <p:extLst>
       <p:ext uri="{BB962C8B-B14F-4D97-AF65-F5344CB8AC3E}">
-        <p14:creationId xmlns:p14="http://schemas.microsoft.com/office/powerpoint/2010/main" val="3965059345"/>
+        <p14:creationId xmlns:p14="http://schemas.microsoft.com/office/powerpoint/2010/main" val="1643361252"/>
       </p:ext>
     </p:extLst>
   </p:cSld>
@@ -547,7 +547,7 @@
           <p:cNvPr id="2" name="竖排标题 1">
             <a:extLst>
               <a:ext uri="{FF2B5EF4-FFF2-40B4-BE49-F238E27FC236}">
-                <a16:creationId xmlns:a16="http://schemas.microsoft.com/office/drawing/2014/main" id="{9A1368FF-2EFD-1801-CB58-63E29383B983}"/>
+                <a16:creationId xmlns:a16="http://schemas.microsoft.com/office/drawing/2014/main" id="{3A8C1617-F1BD-EE7C-8D71-278502F3B013}"/>
               </a:ext>
             </a:extLst>
           </p:cNvPr>
@@ -580,7 +580,7 @@
           <p:cNvPr id="3" name="竖排文字占位符 2">
             <a:extLst>
               <a:ext uri="{FF2B5EF4-FFF2-40B4-BE49-F238E27FC236}">
-                <a16:creationId xmlns:a16="http://schemas.microsoft.com/office/drawing/2014/main" id="{CC7C0F1E-97F7-A079-151C-496FF9A4993A}"/>
+                <a16:creationId xmlns:a16="http://schemas.microsoft.com/office/drawing/2014/main" id="{2F561E67-18D5-0C8D-311F-A7777F14934A}"/>
               </a:ext>
             </a:extLst>
           </p:cNvPr>
@@ -642,7 +642,7 @@
           <p:cNvPr id="4" name="日期占位符 3">
             <a:extLst>
               <a:ext uri="{FF2B5EF4-FFF2-40B4-BE49-F238E27FC236}">
-                <a16:creationId xmlns:a16="http://schemas.microsoft.com/office/drawing/2014/main" id="{2E8CBBDC-70E4-2EA5-5F15-2724E004B9F3}"/>
+                <a16:creationId xmlns:a16="http://schemas.microsoft.com/office/drawing/2014/main" id="{84B8CE55-ECEF-26F8-AD3A-38BD8BC9A7AB}"/>
               </a:ext>
             </a:extLst>
           </p:cNvPr>
@@ -658,7 +658,7 @@
           <a:bodyPr/>
           <a:lstStyle/>
           <a:p>
-            <a:fld id="{2813B3A4-5788-4FBE-8748-24974202EDD3}" type="datetimeFigureOut">
+            <a:fld id="{0D0AFA96-8B93-41E4-B154-813C8A4E45DB}" type="datetimeFigureOut">
               <a:rPr lang="zh-CN" altLang="en-US" smtClean="0"/>
               <a:t>2024/3/10</a:t>
             </a:fld>
@@ -671,7 +671,7 @@
           <p:cNvPr id="5" name="页脚占位符 4">
             <a:extLst>
               <a:ext uri="{FF2B5EF4-FFF2-40B4-BE49-F238E27FC236}">
-                <a16:creationId xmlns:a16="http://schemas.microsoft.com/office/drawing/2014/main" id="{BB79F154-C5BB-F46B-CF29-EA2EC30D1FA6}"/>
+                <a16:creationId xmlns:a16="http://schemas.microsoft.com/office/drawing/2014/main" id="{970B9290-64AA-468F-4CC6-57C922439D5B}"/>
               </a:ext>
             </a:extLst>
           </p:cNvPr>
@@ -696,7 +696,7 @@
           <p:cNvPr id="6" name="灯片编号占位符 5">
             <a:extLst>
               <a:ext uri="{FF2B5EF4-FFF2-40B4-BE49-F238E27FC236}">
-                <a16:creationId xmlns:a16="http://schemas.microsoft.com/office/drawing/2014/main" id="{B6BB91D2-1443-13AA-859D-85503807A291}"/>
+                <a16:creationId xmlns:a16="http://schemas.microsoft.com/office/drawing/2014/main" id="{D0E44303-9815-D7AF-3656-F340404D5546}"/>
               </a:ext>
             </a:extLst>
           </p:cNvPr>
@@ -712,7 +712,7 @@
           <a:bodyPr/>
           <a:lstStyle/>
           <a:p>
-            <a:fld id="{B5467F7D-05C7-48F6-909D-35A7EDDE7E7B}" type="slidenum">
+            <a:fld id="{15EE802A-D3F3-4C47-8BE7-F638538DF875}" type="slidenum">
               <a:rPr lang="zh-CN" altLang="en-US" smtClean="0"/>
               <a:t>‹#›</a:t>
             </a:fld>
@@ -723,7 +723,7 @@
     </p:spTree>
     <p:extLst>
       <p:ext uri="{BB962C8B-B14F-4D97-AF65-F5344CB8AC3E}">
-        <p14:creationId xmlns:p14="http://schemas.microsoft.com/office/powerpoint/2010/main" val="3501937109"/>
+        <p14:creationId xmlns:p14="http://schemas.microsoft.com/office/powerpoint/2010/main" val="3638769958"/>
       </p:ext>
     </p:extLst>
   </p:cSld>
@@ -755,7 +755,7 @@
           <p:cNvPr id="2" name="标题 1">
             <a:extLst>
               <a:ext uri="{FF2B5EF4-FFF2-40B4-BE49-F238E27FC236}">
-                <a16:creationId xmlns:a16="http://schemas.microsoft.com/office/drawing/2014/main" id="{75F817B6-821E-6FE9-28F5-B175AA8AE272}"/>
+                <a16:creationId xmlns:a16="http://schemas.microsoft.com/office/drawing/2014/main" id="{B4FEC566-3529-88C2-8A7E-B63BC7B91EFA}"/>
               </a:ext>
             </a:extLst>
           </p:cNvPr>
@@ -783,7 +783,7 @@
           <p:cNvPr id="3" name="内容占位符 2">
             <a:extLst>
               <a:ext uri="{FF2B5EF4-FFF2-40B4-BE49-F238E27FC236}">
-                <a16:creationId xmlns:a16="http://schemas.microsoft.com/office/drawing/2014/main" id="{EC8A244A-7E55-235D-9BE6-9EAA051ACAE2}"/>
+                <a16:creationId xmlns:a16="http://schemas.microsoft.com/office/drawing/2014/main" id="{D35240C0-34CC-92C0-B16B-F18B7B34DA99}"/>
               </a:ext>
             </a:extLst>
           </p:cNvPr>
@@ -840,7 +840,7 @@
           <p:cNvPr id="4" name="日期占位符 3">
             <a:extLst>
               <a:ext uri="{FF2B5EF4-FFF2-40B4-BE49-F238E27FC236}">
-                <a16:creationId xmlns:a16="http://schemas.microsoft.com/office/drawing/2014/main" id="{653B6849-66A1-6F5F-591D-6F9D913A64EB}"/>
+                <a16:creationId xmlns:a16="http://schemas.microsoft.com/office/drawing/2014/main" id="{CE4A81D1-5F94-54D1-BFFF-893A83C13733}"/>
               </a:ext>
             </a:extLst>
           </p:cNvPr>
@@ -856,7 +856,7 @@
           <a:bodyPr/>
           <a:lstStyle/>
           <a:p>
-            <a:fld id="{2813B3A4-5788-4FBE-8748-24974202EDD3}" type="datetimeFigureOut">
+            <a:fld id="{0D0AFA96-8B93-41E4-B154-813C8A4E45DB}" type="datetimeFigureOut">
               <a:rPr lang="zh-CN" altLang="en-US" smtClean="0"/>
               <a:t>2024/3/10</a:t>
             </a:fld>
@@ -869,7 +869,7 @@
           <p:cNvPr id="5" name="页脚占位符 4">
             <a:extLst>
               <a:ext uri="{FF2B5EF4-FFF2-40B4-BE49-F238E27FC236}">
-                <a16:creationId xmlns:a16="http://schemas.microsoft.com/office/drawing/2014/main" id="{D37C0A77-3D2F-8725-5883-C47A4B8FF161}"/>
+                <a16:creationId xmlns:a16="http://schemas.microsoft.com/office/drawing/2014/main" id="{E208C937-944B-E80C-6502-4FD38481802E}"/>
               </a:ext>
             </a:extLst>
           </p:cNvPr>
@@ -894,7 +894,7 @@
           <p:cNvPr id="6" name="灯片编号占位符 5">
             <a:extLst>
               <a:ext uri="{FF2B5EF4-FFF2-40B4-BE49-F238E27FC236}">
-                <a16:creationId xmlns:a16="http://schemas.microsoft.com/office/drawing/2014/main" id="{EEF7F409-C11B-5DA2-9810-A3CBB9E34DE2}"/>
+                <a16:creationId xmlns:a16="http://schemas.microsoft.com/office/drawing/2014/main" id="{5AF9EF1B-D25B-0E2F-1AD3-5668FAEC2F2D}"/>
               </a:ext>
             </a:extLst>
           </p:cNvPr>
@@ -910,7 +910,7 @@
           <a:bodyPr/>
           <a:lstStyle/>
           <a:p>
-            <a:fld id="{B5467F7D-05C7-48F6-909D-35A7EDDE7E7B}" type="slidenum">
+            <a:fld id="{15EE802A-D3F3-4C47-8BE7-F638538DF875}" type="slidenum">
               <a:rPr lang="zh-CN" altLang="en-US" smtClean="0"/>
               <a:t>‹#›</a:t>
             </a:fld>
@@ -921,7 +921,7 @@
     </p:spTree>
     <p:extLst>
       <p:ext uri="{BB962C8B-B14F-4D97-AF65-F5344CB8AC3E}">
-        <p14:creationId xmlns:p14="http://schemas.microsoft.com/office/powerpoint/2010/main" val="1076788985"/>
+        <p14:creationId xmlns:p14="http://schemas.microsoft.com/office/powerpoint/2010/main" val="844660868"/>
       </p:ext>
     </p:extLst>
   </p:cSld>
@@ -953,7 +953,7 @@
           <p:cNvPr id="2" name="标题 1">
             <a:extLst>
               <a:ext uri="{FF2B5EF4-FFF2-40B4-BE49-F238E27FC236}">
-                <a16:creationId xmlns:a16="http://schemas.microsoft.com/office/drawing/2014/main" id="{E2FA4388-0D45-88B0-48EA-44F8A5F56DAD}"/>
+                <a16:creationId xmlns:a16="http://schemas.microsoft.com/office/drawing/2014/main" id="{0F443AE4-7F9D-0344-BA4E-85581A7A0FB8}"/>
               </a:ext>
             </a:extLst>
           </p:cNvPr>
@@ -990,7 +990,7 @@
           <p:cNvPr id="3" name="文本占位符 2">
             <a:extLst>
               <a:ext uri="{FF2B5EF4-FFF2-40B4-BE49-F238E27FC236}">
-                <a16:creationId xmlns:a16="http://schemas.microsoft.com/office/drawing/2014/main" id="{979DCBFA-0E9C-5484-40FD-0AB5B3AC477D}"/>
+                <a16:creationId xmlns:a16="http://schemas.microsoft.com/office/drawing/2014/main" id="{C6D453F8-65F8-3BB7-CFC9-43C9287672FF}"/>
               </a:ext>
             </a:extLst>
           </p:cNvPr>
@@ -1115,7 +1115,7 @@
           <p:cNvPr id="4" name="日期占位符 3">
             <a:extLst>
               <a:ext uri="{FF2B5EF4-FFF2-40B4-BE49-F238E27FC236}">
-                <a16:creationId xmlns:a16="http://schemas.microsoft.com/office/drawing/2014/main" id="{EF67DAB7-3354-8BC9-1B8F-DB4F0FB7425D}"/>
+                <a16:creationId xmlns:a16="http://schemas.microsoft.com/office/drawing/2014/main" id="{282D0779-12AC-7C33-4043-BE6D7B4F1AA1}"/>
               </a:ext>
             </a:extLst>
           </p:cNvPr>
@@ -1131,7 +1131,7 @@
           <a:bodyPr/>
           <a:lstStyle/>
           <a:p>
-            <a:fld id="{2813B3A4-5788-4FBE-8748-24974202EDD3}" type="datetimeFigureOut">
+            <a:fld id="{0D0AFA96-8B93-41E4-B154-813C8A4E45DB}" type="datetimeFigureOut">
               <a:rPr lang="zh-CN" altLang="en-US" smtClean="0"/>
               <a:t>2024/3/10</a:t>
             </a:fld>
@@ -1144,7 +1144,7 @@
           <p:cNvPr id="5" name="页脚占位符 4">
             <a:extLst>
               <a:ext uri="{FF2B5EF4-FFF2-40B4-BE49-F238E27FC236}">
-                <a16:creationId xmlns:a16="http://schemas.microsoft.com/office/drawing/2014/main" id="{84EF18D4-43E5-659C-596D-E7B5967F92DA}"/>
+                <a16:creationId xmlns:a16="http://schemas.microsoft.com/office/drawing/2014/main" id="{D3CFD5EB-F389-7B3D-DF7C-FBBC6BC3AC7E}"/>
               </a:ext>
             </a:extLst>
           </p:cNvPr>
@@ -1169,7 +1169,7 @@
           <p:cNvPr id="6" name="灯片编号占位符 5">
             <a:extLst>
               <a:ext uri="{FF2B5EF4-FFF2-40B4-BE49-F238E27FC236}">
-                <a16:creationId xmlns:a16="http://schemas.microsoft.com/office/drawing/2014/main" id="{CF883A4B-3D16-427B-A773-7EDE3B86AC02}"/>
+                <a16:creationId xmlns:a16="http://schemas.microsoft.com/office/drawing/2014/main" id="{4CA6EE1A-516E-4FA5-CC0B-CADA386AEDDA}"/>
               </a:ext>
             </a:extLst>
           </p:cNvPr>
@@ -1185,7 +1185,7 @@
           <a:bodyPr/>
           <a:lstStyle/>
           <a:p>
-            <a:fld id="{B5467F7D-05C7-48F6-909D-35A7EDDE7E7B}" type="slidenum">
+            <a:fld id="{15EE802A-D3F3-4C47-8BE7-F638538DF875}" type="slidenum">
               <a:rPr lang="zh-CN" altLang="en-US" smtClean="0"/>
               <a:t>‹#›</a:t>
             </a:fld>
@@ -1196,7 +1196,7 @@
     </p:spTree>
     <p:extLst>
       <p:ext uri="{BB962C8B-B14F-4D97-AF65-F5344CB8AC3E}">
-        <p14:creationId xmlns:p14="http://schemas.microsoft.com/office/powerpoint/2010/main" val="915633757"/>
+        <p14:creationId xmlns:p14="http://schemas.microsoft.com/office/powerpoint/2010/main" val="1012291790"/>
       </p:ext>
     </p:extLst>
   </p:cSld>
@@ -1228,7 +1228,7 @@
           <p:cNvPr id="2" name="标题 1">
             <a:extLst>
               <a:ext uri="{FF2B5EF4-FFF2-40B4-BE49-F238E27FC236}">
-                <a16:creationId xmlns:a16="http://schemas.microsoft.com/office/drawing/2014/main" id="{3E1A9755-83DC-D770-A29C-2CA54340F374}"/>
+                <a16:creationId xmlns:a16="http://schemas.microsoft.com/office/drawing/2014/main" id="{D9EA9A08-A9E1-5557-549F-9D025C13544D}"/>
               </a:ext>
             </a:extLst>
           </p:cNvPr>
@@ -1256,7 +1256,7 @@
           <p:cNvPr id="3" name="内容占位符 2">
             <a:extLst>
               <a:ext uri="{FF2B5EF4-FFF2-40B4-BE49-F238E27FC236}">
-                <a16:creationId xmlns:a16="http://schemas.microsoft.com/office/drawing/2014/main" id="{9417ECFA-2B15-25B5-CC63-E36F98220F89}"/>
+                <a16:creationId xmlns:a16="http://schemas.microsoft.com/office/drawing/2014/main" id="{C9492855-D57C-A5B1-2BC0-0971D94F39AA}"/>
               </a:ext>
             </a:extLst>
           </p:cNvPr>
@@ -1318,7 +1318,7 @@
           <p:cNvPr id="4" name="内容占位符 3">
             <a:extLst>
               <a:ext uri="{FF2B5EF4-FFF2-40B4-BE49-F238E27FC236}">
-                <a16:creationId xmlns:a16="http://schemas.microsoft.com/office/drawing/2014/main" id="{56E9A03F-3C91-3AB2-15BB-CE47286409C4}"/>
+                <a16:creationId xmlns:a16="http://schemas.microsoft.com/office/drawing/2014/main" id="{B06FAD3F-5D6E-B1CA-0762-C81F9044CD95}"/>
               </a:ext>
             </a:extLst>
           </p:cNvPr>
@@ -1380,7 +1380,7 @@
           <p:cNvPr id="5" name="日期占位符 4">
             <a:extLst>
               <a:ext uri="{FF2B5EF4-FFF2-40B4-BE49-F238E27FC236}">
-                <a16:creationId xmlns:a16="http://schemas.microsoft.com/office/drawing/2014/main" id="{35B1B928-F60A-6FCC-6061-8831A70BC1A4}"/>
+                <a16:creationId xmlns:a16="http://schemas.microsoft.com/office/drawing/2014/main" id="{B9894FFC-019F-020B-F11E-A76E3E907C46}"/>
               </a:ext>
             </a:extLst>
           </p:cNvPr>
@@ -1396,7 +1396,7 @@
           <a:bodyPr/>
           <a:lstStyle/>
           <a:p>
-            <a:fld id="{2813B3A4-5788-4FBE-8748-24974202EDD3}" type="datetimeFigureOut">
+            <a:fld id="{0D0AFA96-8B93-41E4-B154-813C8A4E45DB}" type="datetimeFigureOut">
               <a:rPr lang="zh-CN" altLang="en-US" smtClean="0"/>
               <a:t>2024/3/10</a:t>
             </a:fld>
@@ -1409,7 +1409,7 @@
           <p:cNvPr id="6" name="页脚占位符 5">
             <a:extLst>
               <a:ext uri="{FF2B5EF4-FFF2-40B4-BE49-F238E27FC236}">
-                <a16:creationId xmlns:a16="http://schemas.microsoft.com/office/drawing/2014/main" id="{64C63A10-C34E-318E-3123-65BF745B83F4}"/>
+                <a16:creationId xmlns:a16="http://schemas.microsoft.com/office/drawing/2014/main" id="{A8C7A53D-209A-DA60-CCDF-4D33D403C804}"/>
               </a:ext>
             </a:extLst>
           </p:cNvPr>
@@ -1434,7 +1434,7 @@
           <p:cNvPr id="7" name="灯片编号占位符 6">
             <a:extLst>
               <a:ext uri="{FF2B5EF4-FFF2-40B4-BE49-F238E27FC236}">
-                <a16:creationId xmlns:a16="http://schemas.microsoft.com/office/drawing/2014/main" id="{481697B3-1014-63AB-1FE7-B45469F9A2D8}"/>
+                <a16:creationId xmlns:a16="http://schemas.microsoft.com/office/drawing/2014/main" id="{23885B0B-7685-D2DA-2FE5-D557B2C7F1BD}"/>
               </a:ext>
             </a:extLst>
           </p:cNvPr>
@@ -1450,7 +1450,7 @@
           <a:bodyPr/>
           <a:lstStyle/>
           <a:p>
-            <a:fld id="{B5467F7D-05C7-48F6-909D-35A7EDDE7E7B}" type="slidenum">
+            <a:fld id="{15EE802A-D3F3-4C47-8BE7-F638538DF875}" type="slidenum">
               <a:rPr lang="zh-CN" altLang="en-US" smtClean="0"/>
               <a:t>‹#›</a:t>
             </a:fld>
@@ -1461,7 +1461,7 @@
     </p:spTree>
     <p:extLst>
       <p:ext uri="{BB962C8B-B14F-4D97-AF65-F5344CB8AC3E}">
-        <p14:creationId xmlns:p14="http://schemas.microsoft.com/office/powerpoint/2010/main" val="251046405"/>
+        <p14:creationId xmlns:p14="http://schemas.microsoft.com/office/powerpoint/2010/main" val="1610332317"/>
       </p:ext>
     </p:extLst>
   </p:cSld>
@@ -1493,7 +1493,7 @@
           <p:cNvPr id="2" name="标题 1">
             <a:extLst>
               <a:ext uri="{FF2B5EF4-FFF2-40B4-BE49-F238E27FC236}">
-                <a16:creationId xmlns:a16="http://schemas.microsoft.com/office/drawing/2014/main" id="{6F9C1090-85B1-8318-9621-9355AF22EBD6}"/>
+                <a16:creationId xmlns:a16="http://schemas.microsoft.com/office/drawing/2014/main" id="{351AB794-E275-F338-364F-B22A71533231}"/>
               </a:ext>
             </a:extLst>
           </p:cNvPr>
@@ -1526,7 +1526,7 @@
           <p:cNvPr id="3" name="文本占位符 2">
             <a:extLst>
               <a:ext uri="{FF2B5EF4-FFF2-40B4-BE49-F238E27FC236}">
-                <a16:creationId xmlns:a16="http://schemas.microsoft.com/office/drawing/2014/main" id="{47A27C4E-36C8-62FD-F9B7-D5E718C574B8}"/>
+                <a16:creationId xmlns:a16="http://schemas.microsoft.com/office/drawing/2014/main" id="{130F8F76-E36F-3064-7052-C32010B32160}"/>
               </a:ext>
             </a:extLst>
           </p:cNvPr>
@@ -1597,7 +1597,7 @@
           <p:cNvPr id="4" name="内容占位符 3">
             <a:extLst>
               <a:ext uri="{FF2B5EF4-FFF2-40B4-BE49-F238E27FC236}">
-                <a16:creationId xmlns:a16="http://schemas.microsoft.com/office/drawing/2014/main" id="{0C3613B6-DDCA-6474-E9FB-FB85CF93793A}"/>
+                <a16:creationId xmlns:a16="http://schemas.microsoft.com/office/drawing/2014/main" id="{AF19CEC2-813C-BE91-6C4B-55E44B144A7D}"/>
               </a:ext>
             </a:extLst>
           </p:cNvPr>
@@ -1659,7 +1659,7 @@
           <p:cNvPr id="5" name="文本占位符 4">
             <a:extLst>
               <a:ext uri="{FF2B5EF4-FFF2-40B4-BE49-F238E27FC236}">
-                <a16:creationId xmlns:a16="http://schemas.microsoft.com/office/drawing/2014/main" id="{FB992E66-F2D9-BC73-7DEF-B36A6895FD37}"/>
+                <a16:creationId xmlns:a16="http://schemas.microsoft.com/office/drawing/2014/main" id="{D075F8DE-24D7-A1B2-F628-236D942B6BAB}"/>
               </a:ext>
             </a:extLst>
           </p:cNvPr>
@@ -1730,7 +1730,7 @@
           <p:cNvPr id="6" name="内容占位符 5">
             <a:extLst>
               <a:ext uri="{FF2B5EF4-FFF2-40B4-BE49-F238E27FC236}">
-                <a16:creationId xmlns:a16="http://schemas.microsoft.com/office/drawing/2014/main" id="{E336CB76-4C61-8E6D-F671-93B3DA6126BD}"/>
+                <a16:creationId xmlns:a16="http://schemas.microsoft.com/office/drawing/2014/main" id="{F90EFD22-BAA6-7375-A8F8-EECBE5E7D68B}"/>
               </a:ext>
             </a:extLst>
           </p:cNvPr>
@@ -1792,7 +1792,7 @@
           <p:cNvPr id="7" name="日期占位符 6">
             <a:extLst>
               <a:ext uri="{FF2B5EF4-FFF2-40B4-BE49-F238E27FC236}">
-                <a16:creationId xmlns:a16="http://schemas.microsoft.com/office/drawing/2014/main" id="{36C5F115-E587-7C12-B2E0-A59B4C6C5FEB}"/>
+                <a16:creationId xmlns:a16="http://schemas.microsoft.com/office/drawing/2014/main" id="{635DF178-3744-E864-6A64-0CCF2AD7CB5B}"/>
               </a:ext>
             </a:extLst>
           </p:cNvPr>
@@ -1808,7 +1808,7 @@
           <a:bodyPr/>
           <a:lstStyle/>
           <a:p>
-            <a:fld id="{2813B3A4-5788-4FBE-8748-24974202EDD3}" type="datetimeFigureOut">
+            <a:fld id="{0D0AFA96-8B93-41E4-B154-813C8A4E45DB}" type="datetimeFigureOut">
               <a:rPr lang="zh-CN" altLang="en-US" smtClean="0"/>
               <a:t>2024/3/10</a:t>
             </a:fld>
@@ -1821,7 +1821,7 @@
           <p:cNvPr id="8" name="页脚占位符 7">
             <a:extLst>
               <a:ext uri="{FF2B5EF4-FFF2-40B4-BE49-F238E27FC236}">
-                <a16:creationId xmlns:a16="http://schemas.microsoft.com/office/drawing/2014/main" id="{17A83E5F-6BE5-868F-6444-7BB9418AE028}"/>
+                <a16:creationId xmlns:a16="http://schemas.microsoft.com/office/drawing/2014/main" id="{A30FE57E-AADA-38D1-5657-4A010294EF87}"/>
               </a:ext>
             </a:extLst>
           </p:cNvPr>
@@ -1846,7 +1846,7 @@
           <p:cNvPr id="9" name="灯片编号占位符 8">
             <a:extLst>
               <a:ext uri="{FF2B5EF4-FFF2-40B4-BE49-F238E27FC236}">
-                <a16:creationId xmlns:a16="http://schemas.microsoft.com/office/drawing/2014/main" id="{7C6BFE73-DABD-C986-975F-D49EEE61A50D}"/>
+                <a16:creationId xmlns:a16="http://schemas.microsoft.com/office/drawing/2014/main" id="{7B521922-34C6-8740-974A-7377D87F1CBE}"/>
               </a:ext>
             </a:extLst>
           </p:cNvPr>
@@ -1862,7 +1862,7 @@
           <a:bodyPr/>
           <a:lstStyle/>
           <a:p>
-            <a:fld id="{B5467F7D-05C7-48F6-909D-35A7EDDE7E7B}" type="slidenum">
+            <a:fld id="{15EE802A-D3F3-4C47-8BE7-F638538DF875}" type="slidenum">
               <a:rPr lang="zh-CN" altLang="en-US" smtClean="0"/>
               <a:t>‹#›</a:t>
             </a:fld>
@@ -1873,7 +1873,7 @@
     </p:spTree>
     <p:extLst>
       <p:ext uri="{BB962C8B-B14F-4D97-AF65-F5344CB8AC3E}">
-        <p14:creationId xmlns:p14="http://schemas.microsoft.com/office/powerpoint/2010/main" val="4111740960"/>
+        <p14:creationId xmlns:p14="http://schemas.microsoft.com/office/powerpoint/2010/main" val="1238817161"/>
       </p:ext>
     </p:extLst>
   </p:cSld>
@@ -1905,7 +1905,7 @@
           <p:cNvPr id="2" name="标题 1">
             <a:extLst>
               <a:ext uri="{FF2B5EF4-FFF2-40B4-BE49-F238E27FC236}">
-                <a16:creationId xmlns:a16="http://schemas.microsoft.com/office/drawing/2014/main" id="{18E68410-DCFE-6E4F-5939-5418030BFA4F}"/>
+                <a16:creationId xmlns:a16="http://schemas.microsoft.com/office/drawing/2014/main" id="{5EFF09CE-420C-49C3-5C34-362CEA4084DD}"/>
               </a:ext>
             </a:extLst>
           </p:cNvPr>
@@ -1933,7 +1933,7 @@
           <p:cNvPr id="3" name="日期占位符 2">
             <a:extLst>
               <a:ext uri="{FF2B5EF4-FFF2-40B4-BE49-F238E27FC236}">
-                <a16:creationId xmlns:a16="http://schemas.microsoft.com/office/drawing/2014/main" id="{3E7AFE6F-F47A-F329-0E16-7C07E48C4994}"/>
+                <a16:creationId xmlns:a16="http://schemas.microsoft.com/office/drawing/2014/main" id="{CD922D72-0C9E-DDED-47C6-B89476A4D99E}"/>
               </a:ext>
             </a:extLst>
           </p:cNvPr>
@@ -1949,7 +1949,7 @@
           <a:bodyPr/>
           <a:lstStyle/>
           <a:p>
-            <a:fld id="{2813B3A4-5788-4FBE-8748-24974202EDD3}" type="datetimeFigureOut">
+            <a:fld id="{0D0AFA96-8B93-41E4-B154-813C8A4E45DB}" type="datetimeFigureOut">
               <a:rPr lang="zh-CN" altLang="en-US" smtClean="0"/>
               <a:t>2024/3/10</a:t>
             </a:fld>
@@ -1962,7 +1962,7 @@
           <p:cNvPr id="4" name="页脚占位符 3">
             <a:extLst>
               <a:ext uri="{FF2B5EF4-FFF2-40B4-BE49-F238E27FC236}">
-                <a16:creationId xmlns:a16="http://schemas.microsoft.com/office/drawing/2014/main" id="{2554D9C3-39E9-9C8B-5F71-FA0128026C64}"/>
+                <a16:creationId xmlns:a16="http://schemas.microsoft.com/office/drawing/2014/main" id="{8FA33447-3E0B-2E9A-5872-CFF8D6B0C97F}"/>
               </a:ext>
             </a:extLst>
           </p:cNvPr>
@@ -1987,7 +1987,7 @@
           <p:cNvPr id="5" name="灯片编号占位符 4">
             <a:extLst>
               <a:ext uri="{FF2B5EF4-FFF2-40B4-BE49-F238E27FC236}">
-                <a16:creationId xmlns:a16="http://schemas.microsoft.com/office/drawing/2014/main" id="{AB7D65FF-47E2-F2F9-8E35-B1AEF00E94E0}"/>
+                <a16:creationId xmlns:a16="http://schemas.microsoft.com/office/drawing/2014/main" id="{06C9E23E-7939-051F-05EE-EBD9D76BD00B}"/>
               </a:ext>
             </a:extLst>
           </p:cNvPr>
@@ -2003,7 +2003,7 @@
           <a:bodyPr/>
           <a:lstStyle/>
           <a:p>
-            <a:fld id="{B5467F7D-05C7-48F6-909D-35A7EDDE7E7B}" type="slidenum">
+            <a:fld id="{15EE802A-D3F3-4C47-8BE7-F638538DF875}" type="slidenum">
               <a:rPr lang="zh-CN" altLang="en-US" smtClean="0"/>
               <a:t>‹#›</a:t>
             </a:fld>
@@ -2014,7 +2014,7 @@
     </p:spTree>
     <p:extLst>
       <p:ext uri="{BB962C8B-B14F-4D97-AF65-F5344CB8AC3E}">
-        <p14:creationId xmlns:p14="http://schemas.microsoft.com/office/powerpoint/2010/main" val="278552130"/>
+        <p14:creationId xmlns:p14="http://schemas.microsoft.com/office/powerpoint/2010/main" val="3837649318"/>
       </p:ext>
     </p:extLst>
   </p:cSld>
@@ -2046,7 +2046,7 @@
           <p:cNvPr id="2" name="日期占位符 1">
             <a:extLst>
               <a:ext uri="{FF2B5EF4-FFF2-40B4-BE49-F238E27FC236}">
-                <a16:creationId xmlns:a16="http://schemas.microsoft.com/office/drawing/2014/main" id="{090530E4-E13B-F2B4-7825-BB0EE5E106E6}"/>
+                <a16:creationId xmlns:a16="http://schemas.microsoft.com/office/drawing/2014/main" id="{71F2A96D-FA4D-CB6B-3D0F-BB126A04F7A8}"/>
               </a:ext>
             </a:extLst>
           </p:cNvPr>
@@ -2062,7 +2062,7 @@
           <a:bodyPr/>
           <a:lstStyle/>
           <a:p>
-            <a:fld id="{2813B3A4-5788-4FBE-8748-24974202EDD3}" type="datetimeFigureOut">
+            <a:fld id="{0D0AFA96-8B93-41E4-B154-813C8A4E45DB}" type="datetimeFigureOut">
               <a:rPr lang="zh-CN" altLang="en-US" smtClean="0"/>
               <a:t>2024/3/10</a:t>
             </a:fld>
@@ -2075,7 +2075,7 @@
           <p:cNvPr id="3" name="页脚占位符 2">
             <a:extLst>
               <a:ext uri="{FF2B5EF4-FFF2-40B4-BE49-F238E27FC236}">
-                <a16:creationId xmlns:a16="http://schemas.microsoft.com/office/drawing/2014/main" id="{5A1C86A1-AA34-BD9B-EDC7-B991523E0706}"/>
+                <a16:creationId xmlns:a16="http://schemas.microsoft.com/office/drawing/2014/main" id="{26C7A0C3-BEDA-F95C-1B05-4015D6831851}"/>
               </a:ext>
             </a:extLst>
           </p:cNvPr>
@@ -2100,7 +2100,7 @@
           <p:cNvPr id="4" name="灯片编号占位符 3">
             <a:extLst>
               <a:ext uri="{FF2B5EF4-FFF2-40B4-BE49-F238E27FC236}">
-                <a16:creationId xmlns:a16="http://schemas.microsoft.com/office/drawing/2014/main" id="{692DAB46-E4B0-30D6-48B0-DF55ED4C2417}"/>
+                <a16:creationId xmlns:a16="http://schemas.microsoft.com/office/drawing/2014/main" id="{D2A9161B-80AD-87F0-305B-5A7D3AE0612B}"/>
               </a:ext>
             </a:extLst>
           </p:cNvPr>
@@ -2116,7 +2116,7 @@
           <a:bodyPr/>
           <a:lstStyle/>
           <a:p>
-            <a:fld id="{B5467F7D-05C7-48F6-909D-35A7EDDE7E7B}" type="slidenum">
+            <a:fld id="{15EE802A-D3F3-4C47-8BE7-F638538DF875}" type="slidenum">
               <a:rPr lang="zh-CN" altLang="en-US" smtClean="0"/>
               <a:t>‹#›</a:t>
             </a:fld>
@@ -2127,7 +2127,7 @@
     </p:spTree>
     <p:extLst>
       <p:ext uri="{BB962C8B-B14F-4D97-AF65-F5344CB8AC3E}">
-        <p14:creationId xmlns:p14="http://schemas.microsoft.com/office/powerpoint/2010/main" val="975602686"/>
+        <p14:creationId xmlns:p14="http://schemas.microsoft.com/office/powerpoint/2010/main" val="3380441980"/>
       </p:ext>
     </p:extLst>
   </p:cSld>
@@ -2159,7 +2159,7 @@
           <p:cNvPr id="2" name="标题 1">
             <a:extLst>
               <a:ext uri="{FF2B5EF4-FFF2-40B4-BE49-F238E27FC236}">
-                <a16:creationId xmlns:a16="http://schemas.microsoft.com/office/drawing/2014/main" id="{816A494D-7733-E4EC-8E2B-67B7FBAD622A}"/>
+                <a16:creationId xmlns:a16="http://schemas.microsoft.com/office/drawing/2014/main" id="{F919D44A-5298-46F8-0365-18F5116E1B4E}"/>
               </a:ext>
             </a:extLst>
           </p:cNvPr>
@@ -2196,7 +2196,7 @@
           <p:cNvPr id="3" name="内容占位符 2">
             <a:extLst>
               <a:ext uri="{FF2B5EF4-FFF2-40B4-BE49-F238E27FC236}">
-                <a16:creationId xmlns:a16="http://schemas.microsoft.com/office/drawing/2014/main" id="{21EDF510-20A8-5047-0389-F258F26107CD}"/>
+                <a16:creationId xmlns:a16="http://schemas.microsoft.com/office/drawing/2014/main" id="{FF757540-DC10-652D-B34A-C295637A624F}"/>
               </a:ext>
             </a:extLst>
           </p:cNvPr>
@@ -2286,7 +2286,7 @@
           <p:cNvPr id="4" name="文本占位符 3">
             <a:extLst>
               <a:ext uri="{FF2B5EF4-FFF2-40B4-BE49-F238E27FC236}">
-                <a16:creationId xmlns:a16="http://schemas.microsoft.com/office/drawing/2014/main" id="{4C635F9C-804C-AF32-7856-047E6EDAD99B}"/>
+                <a16:creationId xmlns:a16="http://schemas.microsoft.com/office/drawing/2014/main" id="{5923134E-FB19-A0B3-7DAA-AD5317FA8A97}"/>
               </a:ext>
             </a:extLst>
           </p:cNvPr>
@@ -2357,7 +2357,7 @@
           <p:cNvPr id="5" name="日期占位符 4">
             <a:extLst>
               <a:ext uri="{FF2B5EF4-FFF2-40B4-BE49-F238E27FC236}">
-                <a16:creationId xmlns:a16="http://schemas.microsoft.com/office/drawing/2014/main" id="{370475CD-9169-93A1-6849-BCDCF9AE96E6}"/>
+                <a16:creationId xmlns:a16="http://schemas.microsoft.com/office/drawing/2014/main" id="{C5350D32-0224-9DCE-88CE-8C8A2966515A}"/>
               </a:ext>
             </a:extLst>
           </p:cNvPr>
@@ -2373,7 +2373,7 @@
           <a:bodyPr/>
           <a:lstStyle/>
           <a:p>
-            <a:fld id="{2813B3A4-5788-4FBE-8748-24974202EDD3}" type="datetimeFigureOut">
+            <a:fld id="{0D0AFA96-8B93-41E4-B154-813C8A4E45DB}" type="datetimeFigureOut">
               <a:rPr lang="zh-CN" altLang="en-US" smtClean="0"/>
               <a:t>2024/3/10</a:t>
             </a:fld>
@@ -2386,7 +2386,7 @@
           <p:cNvPr id="6" name="页脚占位符 5">
             <a:extLst>
               <a:ext uri="{FF2B5EF4-FFF2-40B4-BE49-F238E27FC236}">
-                <a16:creationId xmlns:a16="http://schemas.microsoft.com/office/drawing/2014/main" id="{71A91A45-F6E5-395D-34B6-E6DEDD84FD9D}"/>
+                <a16:creationId xmlns:a16="http://schemas.microsoft.com/office/drawing/2014/main" id="{BBC41965-58AE-65D4-2CF8-890ECEC44A1C}"/>
               </a:ext>
             </a:extLst>
           </p:cNvPr>
@@ -2411,7 +2411,7 @@
           <p:cNvPr id="7" name="灯片编号占位符 6">
             <a:extLst>
               <a:ext uri="{FF2B5EF4-FFF2-40B4-BE49-F238E27FC236}">
-                <a16:creationId xmlns:a16="http://schemas.microsoft.com/office/drawing/2014/main" id="{F66E7FB9-219D-B046-2826-766A9BEA306E}"/>
+                <a16:creationId xmlns:a16="http://schemas.microsoft.com/office/drawing/2014/main" id="{8A89C347-B1F3-E443-5DDA-588F1843DA42}"/>
               </a:ext>
             </a:extLst>
           </p:cNvPr>
@@ -2427,7 +2427,7 @@
           <a:bodyPr/>
           <a:lstStyle/>
           <a:p>
-            <a:fld id="{B5467F7D-05C7-48F6-909D-35A7EDDE7E7B}" type="slidenum">
+            <a:fld id="{15EE802A-D3F3-4C47-8BE7-F638538DF875}" type="slidenum">
               <a:rPr lang="zh-CN" altLang="en-US" smtClean="0"/>
               <a:t>‹#›</a:t>
             </a:fld>
@@ -2438,7 +2438,7 @@
     </p:spTree>
     <p:extLst>
       <p:ext uri="{BB962C8B-B14F-4D97-AF65-F5344CB8AC3E}">
-        <p14:creationId xmlns:p14="http://schemas.microsoft.com/office/powerpoint/2010/main" val="3068124394"/>
+        <p14:creationId xmlns:p14="http://schemas.microsoft.com/office/powerpoint/2010/main" val="2616420938"/>
       </p:ext>
     </p:extLst>
   </p:cSld>
@@ -2470,7 +2470,7 @@
           <p:cNvPr id="2" name="标题 1">
             <a:extLst>
               <a:ext uri="{FF2B5EF4-FFF2-40B4-BE49-F238E27FC236}">
-                <a16:creationId xmlns:a16="http://schemas.microsoft.com/office/drawing/2014/main" id="{2C245F4C-6270-EB53-30A1-98EC233A8AD2}"/>
+                <a16:creationId xmlns:a16="http://schemas.microsoft.com/office/drawing/2014/main" id="{5F25F93E-9F08-A75D-3AB3-B09AEAE60131}"/>
               </a:ext>
             </a:extLst>
           </p:cNvPr>
@@ -2507,7 +2507,7 @@
           <p:cNvPr id="3" name="图片占位符 2">
             <a:extLst>
               <a:ext uri="{FF2B5EF4-FFF2-40B4-BE49-F238E27FC236}">
-                <a16:creationId xmlns:a16="http://schemas.microsoft.com/office/drawing/2014/main" id="{0E411BD5-FE1F-7975-A638-DFB77F721D77}"/>
+                <a16:creationId xmlns:a16="http://schemas.microsoft.com/office/drawing/2014/main" id="{18F86937-20F4-8155-C086-319CC141782D}"/>
               </a:ext>
             </a:extLst>
           </p:cNvPr>
@@ -2574,7 +2574,7 @@
           <p:cNvPr id="4" name="文本占位符 3">
             <a:extLst>
               <a:ext uri="{FF2B5EF4-FFF2-40B4-BE49-F238E27FC236}">
-                <a16:creationId xmlns:a16="http://schemas.microsoft.com/office/drawing/2014/main" id="{C052A192-4FF2-CA11-A84D-F6E7C3425673}"/>
+                <a16:creationId xmlns:a16="http://schemas.microsoft.com/office/drawing/2014/main" id="{1A2F6555-7F80-75A7-D7A0-2AFCF5D6986F}"/>
               </a:ext>
             </a:extLst>
           </p:cNvPr>
@@ -2645,7 +2645,7 @@
           <p:cNvPr id="5" name="日期占位符 4">
             <a:extLst>
               <a:ext uri="{FF2B5EF4-FFF2-40B4-BE49-F238E27FC236}">
-                <a16:creationId xmlns:a16="http://schemas.microsoft.com/office/drawing/2014/main" id="{5643D730-A061-9A2D-E87C-FD659AF26C87}"/>
+                <a16:creationId xmlns:a16="http://schemas.microsoft.com/office/drawing/2014/main" id="{FBE03E35-7DD4-3319-2EE9-10513D215DFB}"/>
               </a:ext>
             </a:extLst>
           </p:cNvPr>
@@ -2661,7 +2661,7 @@
           <a:bodyPr/>
           <a:lstStyle/>
           <a:p>
-            <a:fld id="{2813B3A4-5788-4FBE-8748-24974202EDD3}" type="datetimeFigureOut">
+            <a:fld id="{0D0AFA96-8B93-41E4-B154-813C8A4E45DB}" type="datetimeFigureOut">
               <a:rPr lang="zh-CN" altLang="en-US" smtClean="0"/>
               <a:t>2024/3/10</a:t>
             </a:fld>
@@ -2674,7 +2674,7 @@
           <p:cNvPr id="6" name="页脚占位符 5">
             <a:extLst>
               <a:ext uri="{FF2B5EF4-FFF2-40B4-BE49-F238E27FC236}">
-                <a16:creationId xmlns:a16="http://schemas.microsoft.com/office/drawing/2014/main" id="{2669A260-CD80-56C6-6C50-B5AF923E52B6}"/>
+                <a16:creationId xmlns:a16="http://schemas.microsoft.com/office/drawing/2014/main" id="{E39CBD7F-EBC5-8278-34BD-73CFE3D3953D}"/>
               </a:ext>
             </a:extLst>
           </p:cNvPr>
@@ -2699,7 +2699,7 @@
           <p:cNvPr id="7" name="灯片编号占位符 6">
             <a:extLst>
               <a:ext uri="{FF2B5EF4-FFF2-40B4-BE49-F238E27FC236}">
-                <a16:creationId xmlns:a16="http://schemas.microsoft.com/office/drawing/2014/main" id="{F1AC179A-1CAB-7E60-245A-BA71475294F9}"/>
+                <a16:creationId xmlns:a16="http://schemas.microsoft.com/office/drawing/2014/main" id="{20262AA2-D877-3F99-9B9D-B12523FC1661}"/>
               </a:ext>
             </a:extLst>
           </p:cNvPr>
@@ -2715,7 +2715,7 @@
           <a:bodyPr/>
           <a:lstStyle/>
           <a:p>
-            <a:fld id="{B5467F7D-05C7-48F6-909D-35A7EDDE7E7B}" type="slidenum">
+            <a:fld id="{15EE802A-D3F3-4C47-8BE7-F638538DF875}" type="slidenum">
               <a:rPr lang="zh-CN" altLang="en-US" smtClean="0"/>
               <a:t>‹#›</a:t>
             </a:fld>
@@ -2726,7 +2726,7 @@
     </p:spTree>
     <p:extLst>
       <p:ext uri="{BB962C8B-B14F-4D97-AF65-F5344CB8AC3E}">
-        <p14:creationId xmlns:p14="http://schemas.microsoft.com/office/powerpoint/2010/main" val="1469152436"/>
+        <p14:creationId xmlns:p14="http://schemas.microsoft.com/office/powerpoint/2010/main" val="2954775198"/>
       </p:ext>
     </p:extLst>
   </p:cSld>
@@ -2763,7 +2763,7 @@
           <p:cNvPr id="2" name="标题占位符 1">
             <a:extLst>
               <a:ext uri="{FF2B5EF4-FFF2-40B4-BE49-F238E27FC236}">
-                <a16:creationId xmlns:a16="http://schemas.microsoft.com/office/drawing/2014/main" id="{F2FE9605-C6CB-D5FC-C5E2-F153676EAB76}"/>
+                <a16:creationId xmlns:a16="http://schemas.microsoft.com/office/drawing/2014/main" id="{650392F9-5E61-4F26-6E29-5068E8F872FF}"/>
               </a:ext>
             </a:extLst>
           </p:cNvPr>
@@ -2801,7 +2801,7 @@
           <p:cNvPr id="3" name="文本占位符 2">
             <a:extLst>
               <a:ext uri="{FF2B5EF4-FFF2-40B4-BE49-F238E27FC236}">
-                <a16:creationId xmlns:a16="http://schemas.microsoft.com/office/drawing/2014/main" id="{1D716886-B597-824F-8888-13A954C124EB}"/>
+                <a16:creationId xmlns:a16="http://schemas.microsoft.com/office/drawing/2014/main" id="{4F03A56A-EA36-A3D0-0DB1-584E6AC4DC70}"/>
               </a:ext>
             </a:extLst>
           </p:cNvPr>
@@ -2868,7 +2868,7 @@
           <p:cNvPr id="4" name="日期占位符 3">
             <a:extLst>
               <a:ext uri="{FF2B5EF4-FFF2-40B4-BE49-F238E27FC236}">
-                <a16:creationId xmlns:a16="http://schemas.microsoft.com/office/drawing/2014/main" id="{E00C9D26-04A4-78C2-8787-2C5F8BF08147}"/>
+                <a16:creationId xmlns:a16="http://schemas.microsoft.com/office/drawing/2014/main" id="{868F8815-B488-0A7A-3848-8337C2A1F8F2}"/>
               </a:ext>
             </a:extLst>
           </p:cNvPr>
@@ -2902,7 +2902,7 @@
             </a:lvl1pPr>
           </a:lstStyle>
           <a:p>
-            <a:fld id="{2813B3A4-5788-4FBE-8748-24974202EDD3}" type="datetimeFigureOut">
+            <a:fld id="{0D0AFA96-8B93-41E4-B154-813C8A4E45DB}" type="datetimeFigureOut">
               <a:rPr lang="zh-CN" altLang="en-US" smtClean="0"/>
               <a:t>2024/3/10</a:t>
             </a:fld>
@@ -2915,7 +2915,7 @@
           <p:cNvPr id="5" name="页脚占位符 4">
             <a:extLst>
               <a:ext uri="{FF2B5EF4-FFF2-40B4-BE49-F238E27FC236}">
-                <a16:creationId xmlns:a16="http://schemas.microsoft.com/office/drawing/2014/main" id="{FAF09FD4-7E8E-E67C-F4CD-AB367F4FDB35}"/>
+                <a16:creationId xmlns:a16="http://schemas.microsoft.com/office/drawing/2014/main" id="{AC807572-495D-E484-C7CF-945242620873}"/>
               </a:ext>
             </a:extLst>
           </p:cNvPr>
@@ -2958,7 +2958,7 @@
           <p:cNvPr id="6" name="灯片编号占位符 5">
             <a:extLst>
               <a:ext uri="{FF2B5EF4-FFF2-40B4-BE49-F238E27FC236}">
-                <a16:creationId xmlns:a16="http://schemas.microsoft.com/office/drawing/2014/main" id="{28E3B72D-1B92-FDEC-EB1F-D9033FB17399}"/>
+                <a16:creationId xmlns:a16="http://schemas.microsoft.com/office/drawing/2014/main" id="{A6958244-66C3-4FB1-4436-8C71061FEF2B}"/>
               </a:ext>
             </a:extLst>
           </p:cNvPr>
@@ -2992,7 +2992,7 @@
             </a:lvl1pPr>
           </a:lstStyle>
           <a:p>
-            <a:fld id="{B5467F7D-05C7-48F6-909D-35A7EDDE7E7B}" type="slidenum">
+            <a:fld id="{15EE802A-D3F3-4C47-8BE7-F638538DF875}" type="slidenum">
               <a:rPr lang="zh-CN" altLang="en-US" smtClean="0"/>
               <a:t>‹#›</a:t>
             </a:fld>
@@ -3003,7 +3003,7 @@
     </p:spTree>
     <p:extLst>
       <p:ext uri="{BB962C8B-B14F-4D97-AF65-F5344CB8AC3E}">
-        <p14:creationId xmlns:p14="http://schemas.microsoft.com/office/powerpoint/2010/main" val="957070609"/>
+        <p14:creationId xmlns:p14="http://schemas.microsoft.com/office/powerpoint/2010/main" val="740047844"/>
       </p:ext>
     </p:extLst>
   </p:cSld>
@@ -3323,7 +3323,7 @@
       </p:grpSpPr>
       <p:pic>
         <p:nvPicPr>
-          <p:cNvPr id="1112066" name="Picture 2" descr="1085"/>
+          <p:cNvPr id="1113090" name="Picture 2" descr="1086"/>
           <p:cNvPicPr>
             <a:picLocks noChangeAspect="1" noChangeArrowheads="1"/>
           </p:cNvPicPr>
@@ -3344,8 +3344,8 @@
         </p:blipFill>
         <p:spPr bwMode="auto">
           <a:xfrm>
-            <a:off x="1614488" y="0"/>
-            <a:ext cx="9053512" cy="6789738"/>
+            <a:off x="1524001" y="0"/>
+            <a:ext cx="9053513" cy="6789738"/>
           </a:xfrm>
           <a:prstGeom prst="rect">
             <a:avLst/>
@@ -3375,158 +3375,11 @@
           </a:extLst>
         </p:spPr>
       </p:pic>
-      <p:pic>
-        <p:nvPicPr>
-          <p:cNvPr id="1113091" name="Picture 3" descr="1085-2"/>
-          <p:cNvPicPr>
-            <a:picLocks noChangeAspect="1" noChangeArrowheads="1"/>
-          </p:cNvPicPr>
-          <p:nvPr/>
-        </p:nvPicPr>
-        <p:blipFill>
-          <a:blip r:embed="rId3">
-            <a:extLst>
-              <a:ext uri="{28A0092B-C50C-407E-A947-70E740481C1C}">
-                <a14:useLocalDpi xmlns:a14="http://schemas.microsoft.com/office/drawing/2010/main" val="0"/>
-              </a:ext>
-            </a:extLst>
-          </a:blip>
-          <a:srcRect/>
-          <a:stretch>
-            <a:fillRect/>
-          </a:stretch>
-        </p:blipFill>
-        <p:spPr bwMode="auto">
-          <a:xfrm>
-            <a:off x="1524000" y="1"/>
-            <a:ext cx="9145588" cy="6791325"/>
-          </a:xfrm>
-          <a:prstGeom prst="rect">
-            <a:avLst/>
-          </a:prstGeom>
-          <a:noFill/>
-          <a:ln>
-            <a:noFill/>
-          </a:ln>
-          <a:effectLst/>
-          <a:extLst>
-            <a:ext uri="{909E8E84-426E-40DD-AFC4-6F175D3DCCD1}">
-              <a14:hiddenFill xmlns:a14="http://schemas.microsoft.com/office/drawing/2010/main">
-                <a:solidFill>
-                  <a:srgbClr val="FFFFFF"/>
-                </a:solidFill>
-              </a14:hiddenFill>
-            </a:ext>
-            <a:ext uri="{91240B29-F687-4F45-9708-019B960494DF}">
-              <a14:hiddenLine xmlns:a14="http://schemas.microsoft.com/office/drawing/2010/main" w="9525">
-                <a:solidFill>
-                  <a:srgbClr val="000000"/>
-                </a:solidFill>
-                <a:miter lim="800000"/>
-                <a:headEnd/>
-                <a:tailEnd/>
-              </a14:hiddenLine>
-            </a:ext>
-            <a:ext uri="{AF507438-7753-43E0-B8FC-AC1667EBCBE1}">
-              <a14:hiddenEffects xmlns:a14="http://schemas.microsoft.com/office/drawing/2010/main">
-                <a:effectLst>
-                  <a:outerShdw dist="35921" dir="2700000" algn="ctr" rotWithShape="0">
-                    <a:srgbClr val="808080"/>
-                  </a:outerShdw>
-                </a:effectLst>
-              </a14:hiddenEffects>
-            </a:ext>
-          </a:extLst>
-        </p:spPr>
-      </p:pic>
     </p:spTree>
   </p:cSld>
   <p:clrMapOvr>
     <a:masterClrMapping/>
   </p:clrMapOvr>
-  <p:timing>
-    <p:tnLst>
-      <p:par>
-        <p:cTn id="1" dur="indefinite" restart="never" nodeType="tmRoot">
-          <p:childTnLst>
-            <p:seq concurrent="1" nextAc="seek">
-              <p:cTn id="2" dur="indefinite" nodeType="mainSeq">
-                <p:childTnLst>
-                  <p:par>
-                    <p:cTn id="3" fill="hold" nodeType="clickPar">
-                      <p:stCondLst>
-                        <p:cond delay="indefinite"/>
-                      </p:stCondLst>
-                      <p:childTnLst>
-                        <p:par>
-                          <p:cTn id="4" fill="hold" nodeType="withGroup">
-                            <p:stCondLst>
-                              <p:cond delay="0"/>
-                            </p:stCondLst>
-                            <p:childTnLst>
-                              <p:par>
-                                <p:cTn id="5" presetID="10" presetClass="entr" presetSubtype="0" fill="hold" nodeType="clickEffect">
-                                  <p:stCondLst>
-                                    <p:cond delay="0"/>
-                                  </p:stCondLst>
-                                  <p:childTnLst>
-                                    <p:set>
-                                      <p:cBhvr>
-                                        <p:cTn id="6" dur="1" fill="hold">
-                                          <p:stCondLst>
-                                            <p:cond delay="0"/>
-                                          </p:stCondLst>
-                                        </p:cTn>
-                                        <p:tgtEl>
-                                          <p:spTgt spid="1113091"/>
-                                        </p:tgtEl>
-                                        <p:attrNameLst>
-                                          <p:attrName>style.visibility</p:attrName>
-                                        </p:attrNameLst>
-                                      </p:cBhvr>
-                                      <p:to>
-                                        <p:strVal val="visible"/>
-                                      </p:to>
-                                    </p:set>
-                                    <p:animEffect transition="in" filter="fade">
-                                      <p:cBhvr>
-                                        <p:cTn id="7" dur="500"/>
-                                        <p:tgtEl>
-                                          <p:spTgt spid="1113091"/>
-                                        </p:tgtEl>
-                                      </p:cBhvr>
-                                    </p:animEffect>
-                                  </p:childTnLst>
-                                </p:cTn>
-                              </p:par>
-                            </p:childTnLst>
-                          </p:cTn>
-                        </p:par>
-                      </p:childTnLst>
-                    </p:cTn>
-                  </p:par>
-                </p:childTnLst>
-              </p:cTn>
-              <p:prevCondLst>
-                <p:cond evt="onPrev" delay="0">
-                  <p:tgtEl>
-                    <p:sldTgt/>
-                  </p:tgtEl>
-                </p:cond>
-              </p:prevCondLst>
-              <p:nextCondLst>
-                <p:cond evt="onNext" delay="0">
-                  <p:tgtEl>
-                    <p:sldTgt/>
-                  </p:tgtEl>
-                </p:cond>
-              </p:nextCondLst>
-            </p:seq>
-          </p:childTnLst>
-        </p:cTn>
-      </p:par>
-    </p:tnLst>
-  </p:timing>
 </p:sld>
 </file>
 
